--- a/diagrams/Responsive Design.pptx
+++ b/diagrams/Responsive Design.pptx
@@ -5,21 +5,22 @@
     <p:sldMasterId id="2147483659" r:id="rId1"/>
   </p:sldMasterIdLst>
   <p:notesMasterIdLst>
-    <p:notesMasterId r:id="rId6"/>
+    <p:notesMasterId r:id="rId7"/>
   </p:notesMasterIdLst>
   <p:sldIdLst>
     <p:sldId id="256" r:id="rId2"/>
     <p:sldId id="260" r:id="rId3"/>
-    <p:sldId id="258" r:id="rId4"/>
-    <p:sldId id="268" r:id="rId5"/>
+    <p:sldId id="269" r:id="rId4"/>
+    <p:sldId id="258" r:id="rId5"/>
+    <p:sldId id="268" r:id="rId6"/>
   </p:sldIdLst>
   <p:sldSz cx="9144000" cy="5143500" type="screen16x9"/>
   <p:notesSz cx="6858000" cy="9144000"/>
   <p:embeddedFontLst>
     <p:embeddedFont>
       <p:font typeface="Gill Sans" panose="020B0604020202020204" charset="0"/>
-      <p:regular r:id="rId7"/>
-      <p:bold r:id="rId8"/>
+      <p:regular r:id="rId8"/>
+      <p:bold r:id="rId9"/>
     </p:embeddedFont>
   </p:embeddedFontLst>
   <p:defaultTextStyle>
@@ -1016,6 +1017,11 @@
         </p:txBody>
       </p:sp>
     </p:spTree>
+    <p:extLst>
+      <p:ext uri="{BB962C8B-B14F-4D97-AF65-F5344CB8AC3E}">
+        <p14:creationId xmlns:p14="http://schemas.microsoft.com/office/powerpoint/2010/main" val="1798004947"/>
+      </p:ext>
+    </p:extLst>
   </p:cSld>
   <p:clrMapOvr>
     <a:masterClrMapping/>
@@ -1024,6 +1030,110 @@
 </file>
 
 <file path=ppt/notesSlides/notesSlide4.xml><?xml version="1.0" encoding="utf-8"?>
+<p:notes xmlns:a="http://schemas.openxmlformats.org/drawingml/2006/main" xmlns:r="http://schemas.openxmlformats.org/officeDocument/2006/relationships" xmlns:p="http://schemas.openxmlformats.org/presentationml/2006/main" showMasterSp="0" showMasterPhAnim="0">
+  <p:cSld>
+    <p:spTree>
+      <p:nvGrpSpPr>
+        <p:cNvPr id="1" name="Shape 76"/>
+        <p:cNvGrpSpPr/>
+        <p:nvPr/>
+      </p:nvGrpSpPr>
+      <p:grpSpPr>
+        <a:xfrm>
+          <a:off x="0" y="0"/>
+          <a:ext cx="0" cy="0"/>
+          <a:chOff x="0" y="0"/>
+          <a:chExt cx="0" cy="0"/>
+        </a:xfrm>
+      </p:grpSpPr>
+      <p:sp>
+        <p:nvSpPr>
+          <p:cNvPr id="77" name="Google Shape;77;g3f7ec1d4ea_0_24:notes"/>
+          <p:cNvSpPr>
+            <a:spLocks noGrp="1" noRot="1" noChangeAspect="1"/>
+          </p:cNvSpPr>
+          <p:nvPr>
+            <p:ph type="sldImg" idx="2"/>
+          </p:nvPr>
+        </p:nvSpPr>
+        <p:spPr>
+          <a:xfrm>
+            <a:off x="381000" y="685800"/>
+            <a:ext cx="6096000" cy="3429000"/>
+          </a:xfrm>
+          <a:custGeom>
+            <a:avLst/>
+            <a:gdLst/>
+            <a:ahLst/>
+            <a:cxnLst/>
+            <a:rect l="l" t="t" r="r" b="b"/>
+            <a:pathLst>
+              <a:path w="120000" h="120000" extrusionOk="0">
+                <a:moveTo>
+                  <a:pt x="0" y="0"/>
+                </a:moveTo>
+                <a:lnTo>
+                  <a:pt x="120000" y="0"/>
+                </a:lnTo>
+                <a:lnTo>
+                  <a:pt x="120000" y="120000"/>
+                </a:lnTo>
+                <a:lnTo>
+                  <a:pt x="0" y="120000"/>
+                </a:lnTo>
+                <a:close/>
+              </a:path>
+            </a:pathLst>
+          </a:custGeom>
+        </p:spPr>
+      </p:sp>
+      <p:sp>
+        <p:nvSpPr>
+          <p:cNvPr id="78" name="Google Shape;78;g3f7ec1d4ea_0_24:notes"/>
+          <p:cNvSpPr txBox="1">
+            <a:spLocks noGrp="1"/>
+          </p:cNvSpPr>
+          <p:nvPr>
+            <p:ph type="body" idx="1"/>
+          </p:nvPr>
+        </p:nvSpPr>
+        <p:spPr>
+          <a:xfrm>
+            <a:off x="685800" y="4343400"/>
+            <a:ext cx="5486400" cy="4114800"/>
+          </a:xfrm>
+          <a:prstGeom prst="rect">
+            <a:avLst/>
+          </a:prstGeom>
+        </p:spPr>
+        <p:txBody>
+          <a:bodyPr spcFirstLastPara="1" wrap="square" lIns="91425" tIns="91425" rIns="91425" bIns="91425" anchor="t" anchorCtr="0">
+            <a:noAutofit/>
+          </a:bodyPr>
+          <a:lstStyle/>
+          <a:p>
+            <a:pPr marL="0" lvl="0" indent="0" algn="l" rtl="0">
+              <a:spcBef>
+                <a:spcPts val="0"/>
+              </a:spcBef>
+              <a:spcAft>
+                <a:spcPts val="0"/>
+              </a:spcAft>
+              <a:buNone/>
+            </a:pPr>
+            <a:endParaRPr/>
+          </a:p>
+        </p:txBody>
+      </p:sp>
+    </p:spTree>
+  </p:cSld>
+  <p:clrMapOvr>
+    <a:masterClrMapping/>
+  </p:clrMapOvr>
+</p:notes>
+</file>
+
+<file path=ppt/notesSlides/notesSlide5.xml><?xml version="1.0" encoding="utf-8"?>
 <p:notes xmlns:a="http://schemas.openxmlformats.org/drawingml/2006/main" xmlns:r="http://schemas.openxmlformats.org/officeDocument/2006/relationships" xmlns:p="http://schemas.openxmlformats.org/presentationml/2006/main" showMasterSp="0" showMasterPhAnim="0">
   <p:cSld>
     <p:spTree>
@@ -5956,7 +6066,7 @@
               <a:buNone/>
             </a:pPr>
             <a:r>
-              <a:rPr lang="en-US" sz="2000" dirty="0">
+              <a:rPr lang="pt-BR" sz="2000" dirty="0">
                 <a:solidFill>
                   <a:srgbClr val="649E8F"/>
                 </a:solidFill>
@@ -5965,10 +6075,10 @@
                 <a:cs typeface="Gill Sans"/>
                 <a:sym typeface="Gill Sans"/>
               </a:rPr>
-              <a:t>GITHUB INTRO</a:t>
+              <a:t>Responsive Design</a:t>
             </a:r>
             <a:br>
-              <a:rPr lang="en-US" sz="2000" dirty="0">
+              <a:rPr lang="pt-BR" sz="2000" dirty="0">
                 <a:solidFill>
                   <a:srgbClr val="649E8F"/>
                 </a:solidFill>
@@ -5978,28 +6088,19 @@
                 <a:sym typeface="Gill Sans"/>
               </a:rPr>
             </a:br>
-            <a:endParaRPr lang="en-US" sz="1800" dirty="0">
-              <a:solidFill>
-                <a:srgbClr val="D7623A"/>
-              </a:solidFill>
-              <a:latin typeface="Gill Sans"/>
-              <a:ea typeface="Gill Sans"/>
-              <a:cs typeface="Gill Sans"/>
-              <a:sym typeface="Gill Sans"/>
-            </a:endParaRPr>
-          </a:p>
-          <a:p>
-            <a:pPr marL="0" lvl="0" indent="0" algn="l" rtl="0">
-              <a:spcBef>
-                <a:spcPts val="0"/>
-              </a:spcBef>
-              <a:spcAft>
-                <a:spcPts val="0"/>
-              </a:spcAft>
-              <a:buNone/>
-            </a:pPr>
+            <a:br>
+              <a:rPr lang="pt-BR" sz="2000" dirty="0">
+                <a:solidFill>
+                  <a:srgbClr val="649E8F"/>
+                </a:solidFill>
+                <a:latin typeface="Gill Sans"/>
+                <a:ea typeface="Gill Sans"/>
+                <a:cs typeface="Gill Sans"/>
+                <a:sym typeface="Gill Sans"/>
+              </a:rPr>
+            </a:br>
             <a:r>
-              <a:rPr lang="en" dirty="0">
+              <a:rPr lang="pt-BR" dirty="0">
                 <a:solidFill>
                   <a:srgbClr val="B3B3AB"/>
                 </a:solidFill>
@@ -6010,15 +6111,6 @@
               </a:rPr>
               <a:t>Xola dos Santos</a:t>
             </a:r>
-            <a:endParaRPr dirty="0">
-              <a:solidFill>
-                <a:srgbClr val="B3B3AB"/>
-              </a:solidFill>
-              <a:latin typeface="Gill Sans"/>
-              <a:ea typeface="Gill Sans"/>
-              <a:cs typeface="Gill Sans"/>
-              <a:sym typeface="Gill Sans"/>
-            </a:endParaRPr>
           </a:p>
         </p:txBody>
       </p:sp>
@@ -6524,7 +6616,7 @@
                 <a:cs typeface="Gill Sans"/>
                 <a:sym typeface="Gill Sans"/>
               </a:rPr>
-              <a:t>CONTENT</a:t>
+              <a:t>RECAP</a:t>
             </a:r>
             <a:endParaRPr sz="2500" dirty="0">
               <a:solidFill>
@@ -6743,29 +6835,8 @@
                 <a:cs typeface="Gill Sans"/>
                 <a:sym typeface="Gill Sans"/>
               </a:rPr>
-              <a:t>Hosting on </a:t>
+              <a:t>Animation</a:t>
             </a:r>
-            <a:r>
-              <a:rPr lang="en-US" sz="2000" dirty="0" err="1">
-                <a:solidFill>
-                  <a:srgbClr val="FFFFFF"/>
-                </a:solidFill>
-                <a:latin typeface="Gill Sans"/>
-                <a:ea typeface="Gill Sans"/>
-                <a:cs typeface="Gill Sans"/>
-                <a:sym typeface="Gill Sans"/>
-              </a:rPr>
-              <a:t>Github</a:t>
-            </a:r>
-            <a:endParaRPr lang="en-US" sz="2000" dirty="0">
-              <a:solidFill>
-                <a:srgbClr val="FFFFFF"/>
-              </a:solidFill>
-              <a:latin typeface="Gill Sans"/>
-              <a:ea typeface="Gill Sans"/>
-              <a:cs typeface="Gill Sans"/>
-              <a:sym typeface="Gill Sans"/>
-            </a:endParaRPr>
           </a:p>
           <a:p>
             <a:pPr marL="457200" lvl="0" indent="-355600" algn="l" rtl="0">
@@ -6792,7 +6863,429 @@
                 <a:cs typeface="Gill Sans"/>
                 <a:sym typeface="Gill Sans"/>
               </a:rPr>
-              <a:t>Networks</a:t>
+              <a:t>Forms</a:t>
+            </a:r>
+          </a:p>
+        </p:txBody>
+      </p:sp>
+      <p:pic>
+        <p:nvPicPr>
+          <p:cNvPr id="87" name="Google Shape;87;p15"/>
+          <p:cNvPicPr preferRelativeResize="0"/>
+          <p:nvPr/>
+        </p:nvPicPr>
+        <p:blipFill>
+          <a:blip r:embed="rId5">
+            <a:alphaModFix/>
+          </a:blip>
+          <a:stretch>
+            <a:fillRect/>
+          </a:stretch>
+        </p:blipFill>
+        <p:spPr>
+          <a:xfrm>
+            <a:off x="4263900" y="0"/>
+            <a:ext cx="4880101" cy="4880101"/>
+          </a:xfrm>
+          <a:prstGeom prst="rect">
+            <a:avLst/>
+          </a:prstGeom>
+          <a:noFill/>
+          <a:ln>
+            <a:noFill/>
+          </a:ln>
+        </p:spPr>
+      </p:pic>
+    </p:spTree>
+    <p:extLst>
+      <p:ext uri="{BB962C8B-B14F-4D97-AF65-F5344CB8AC3E}">
+        <p14:creationId xmlns:p14="http://schemas.microsoft.com/office/powerpoint/2010/main" val="1111685301"/>
+      </p:ext>
+    </p:extLst>
+  </p:cSld>
+  <p:clrMapOvr>
+    <a:masterClrMapping/>
+  </p:clrMapOvr>
+</p:sld>
+</file>
+
+<file path=ppt/slides/slide4.xml><?xml version="1.0" encoding="utf-8"?>
+<p:sld xmlns:a="http://schemas.openxmlformats.org/drawingml/2006/main" xmlns:r="http://schemas.openxmlformats.org/officeDocument/2006/relationships" xmlns:p="http://schemas.openxmlformats.org/presentationml/2006/main">
+  <p:cSld>
+    <p:spTree>
+      <p:nvGrpSpPr>
+        <p:cNvPr id="1" name="Shape 79"/>
+        <p:cNvGrpSpPr/>
+        <p:nvPr/>
+      </p:nvGrpSpPr>
+      <p:grpSpPr>
+        <a:xfrm>
+          <a:off x="0" y="0"/>
+          <a:ext cx="0" cy="0"/>
+          <a:chOff x="0" y="0"/>
+          <a:chExt cx="0" cy="0"/>
+        </a:xfrm>
+      </p:grpSpPr>
+      <p:sp>
+        <p:nvSpPr>
+          <p:cNvPr id="80" name="Google Shape;80;p15"/>
+          <p:cNvSpPr/>
+          <p:nvPr/>
+        </p:nvSpPr>
+        <p:spPr>
+          <a:xfrm>
+            <a:off x="0" y="0"/>
+            <a:ext cx="9144000" cy="5143500"/>
+          </a:xfrm>
+          <a:prstGeom prst="rect">
+            <a:avLst/>
+          </a:prstGeom>
+          <a:solidFill>
+            <a:srgbClr val="656665"/>
+          </a:solidFill>
+          <a:ln>
+            <a:noFill/>
+          </a:ln>
+        </p:spPr>
+        <p:txBody>
+          <a:bodyPr spcFirstLastPara="1" wrap="square" lIns="91425" tIns="91425" rIns="91425" bIns="91425" anchor="ctr" anchorCtr="0">
+            <a:noAutofit/>
+          </a:bodyPr>
+          <a:lstStyle/>
+          <a:p>
+            <a:pPr marL="0" lvl="0" indent="0" algn="l" rtl="0">
+              <a:spcBef>
+                <a:spcPts val="0"/>
+              </a:spcBef>
+              <a:spcAft>
+                <a:spcPts val="0"/>
+              </a:spcAft>
+              <a:buNone/>
+            </a:pPr>
+            <a:endParaRPr/>
+          </a:p>
+        </p:txBody>
+      </p:sp>
+      <p:sp>
+        <p:nvSpPr>
+          <p:cNvPr id="81" name="Google Shape;81;p15"/>
+          <p:cNvSpPr txBox="1"/>
+          <p:nvPr/>
+        </p:nvSpPr>
+        <p:spPr>
+          <a:xfrm>
+            <a:off x="515825" y="908575"/>
+            <a:ext cx="2598900" cy="774000"/>
+          </a:xfrm>
+          <a:prstGeom prst="rect">
+            <a:avLst/>
+          </a:prstGeom>
+          <a:noFill/>
+          <a:ln>
+            <a:noFill/>
+          </a:ln>
+        </p:spPr>
+        <p:txBody>
+          <a:bodyPr spcFirstLastPara="1" wrap="square" lIns="91425" tIns="91425" rIns="91425" bIns="91425" anchor="t" anchorCtr="0">
+            <a:noAutofit/>
+          </a:bodyPr>
+          <a:lstStyle/>
+          <a:p>
+            <a:pPr marL="0" lvl="0" indent="0" algn="l" rtl="0">
+              <a:spcBef>
+                <a:spcPts val="0"/>
+              </a:spcBef>
+              <a:spcAft>
+                <a:spcPts val="0"/>
+              </a:spcAft>
+              <a:buNone/>
+            </a:pPr>
+            <a:r>
+              <a:rPr lang="en-US" sz="2500" dirty="0">
+                <a:solidFill>
+                  <a:srgbClr val="649E8F"/>
+                </a:solidFill>
+                <a:latin typeface="Gill Sans"/>
+                <a:ea typeface="Gill Sans"/>
+                <a:cs typeface="Gill Sans"/>
+                <a:sym typeface="Gill Sans"/>
+              </a:rPr>
+              <a:t>CONTENT</a:t>
+            </a:r>
+            <a:endParaRPr sz="2500" dirty="0">
+              <a:solidFill>
+                <a:srgbClr val="649E8F"/>
+              </a:solidFill>
+              <a:latin typeface="Gill Sans"/>
+              <a:ea typeface="Gill Sans"/>
+              <a:cs typeface="Gill Sans"/>
+              <a:sym typeface="Gill Sans"/>
+            </a:endParaRPr>
+          </a:p>
+        </p:txBody>
+      </p:sp>
+      <p:sp>
+        <p:nvSpPr>
+          <p:cNvPr id="82" name="Google Shape;82;p15"/>
+          <p:cNvSpPr/>
+          <p:nvPr/>
+        </p:nvSpPr>
+        <p:spPr>
+          <a:xfrm>
+            <a:off x="0" y="4880100"/>
+            <a:ext cx="9144000" cy="263400"/>
+          </a:xfrm>
+          <a:prstGeom prst="rect">
+            <a:avLst/>
+          </a:prstGeom>
+          <a:solidFill>
+            <a:srgbClr val="649E8F"/>
+          </a:solidFill>
+          <a:ln w="9525" cap="flat" cmpd="sng">
+            <a:solidFill>
+              <a:srgbClr val="649E8F"/>
+            </a:solidFill>
+            <a:prstDash val="solid"/>
+            <a:round/>
+            <a:headEnd type="none" w="sm" len="sm"/>
+            <a:tailEnd type="none" w="sm" len="sm"/>
+          </a:ln>
+        </p:spPr>
+        <p:txBody>
+          <a:bodyPr spcFirstLastPara="1" wrap="square" lIns="91425" tIns="91425" rIns="91425" bIns="91425" anchor="ctr" anchorCtr="0">
+            <a:noAutofit/>
+          </a:bodyPr>
+          <a:lstStyle/>
+          <a:p>
+            <a:pPr marL="0" lvl="0" indent="0" algn="l" rtl="0">
+              <a:spcBef>
+                <a:spcPts val="0"/>
+              </a:spcBef>
+              <a:spcAft>
+                <a:spcPts val="0"/>
+              </a:spcAft>
+              <a:buNone/>
+            </a:pPr>
+            <a:r>
+              <a:rPr lang="en"/>
+              <a:t> </a:t>
+            </a:r>
+            <a:endParaRPr/>
+          </a:p>
+        </p:txBody>
+      </p:sp>
+      <p:sp>
+        <p:nvSpPr>
+          <p:cNvPr id="83" name="Google Shape;83;p15"/>
+          <p:cNvSpPr/>
+          <p:nvPr/>
+        </p:nvSpPr>
+        <p:spPr>
+          <a:xfrm>
+            <a:off x="7212600" y="4880100"/>
+            <a:ext cx="1931400" cy="263400"/>
+          </a:xfrm>
+          <a:prstGeom prst="rect">
+            <a:avLst/>
+          </a:prstGeom>
+          <a:solidFill>
+            <a:srgbClr val="B3B3AB"/>
+          </a:solidFill>
+          <a:ln w="9525" cap="flat" cmpd="sng">
+            <a:solidFill>
+              <a:srgbClr val="B3B3AB"/>
+            </a:solidFill>
+            <a:prstDash val="solid"/>
+            <a:round/>
+            <a:headEnd type="none" w="sm" len="sm"/>
+            <a:tailEnd type="none" w="sm" len="sm"/>
+          </a:ln>
+        </p:spPr>
+        <p:txBody>
+          <a:bodyPr spcFirstLastPara="1" wrap="square" lIns="91425" tIns="91425" rIns="91425" bIns="91425" anchor="ctr" anchorCtr="0">
+            <a:noAutofit/>
+          </a:bodyPr>
+          <a:lstStyle/>
+          <a:p>
+            <a:pPr marL="0" lvl="0" indent="0" algn="l" rtl="0">
+              <a:spcBef>
+                <a:spcPts val="0"/>
+              </a:spcBef>
+              <a:spcAft>
+                <a:spcPts val="0"/>
+              </a:spcAft>
+              <a:buNone/>
+            </a:pPr>
+            <a:r>
+              <a:rPr lang="en"/>
+              <a:t> </a:t>
+            </a:r>
+            <a:endParaRPr/>
+          </a:p>
+        </p:txBody>
+      </p:sp>
+      <p:pic>
+        <p:nvPicPr>
+          <p:cNvPr id="84" name="Google Shape;84;p15"/>
+          <p:cNvPicPr preferRelativeResize="0"/>
+          <p:nvPr/>
+        </p:nvPicPr>
+        <p:blipFill>
+          <a:blip r:embed="rId3">
+            <a:alphaModFix/>
+          </a:blip>
+          <a:stretch>
+            <a:fillRect/>
+          </a:stretch>
+        </p:blipFill>
+        <p:spPr>
+          <a:xfrm>
+            <a:off x="7403174" y="4953925"/>
+            <a:ext cx="1575999" cy="115750"/>
+          </a:xfrm>
+          <a:prstGeom prst="rect">
+            <a:avLst/>
+          </a:prstGeom>
+          <a:noFill/>
+          <a:ln>
+            <a:noFill/>
+          </a:ln>
+        </p:spPr>
+      </p:pic>
+      <p:pic>
+        <p:nvPicPr>
+          <p:cNvPr id="85" name="Google Shape;85;p15"/>
+          <p:cNvPicPr preferRelativeResize="0"/>
+          <p:nvPr/>
+        </p:nvPicPr>
+        <p:blipFill>
+          <a:blip r:embed="rId4">
+            <a:alphaModFix/>
+          </a:blip>
+          <a:stretch>
+            <a:fillRect/>
+          </a:stretch>
+        </p:blipFill>
+        <p:spPr>
+          <a:xfrm>
+            <a:off x="87850" y="4931817"/>
+            <a:ext cx="1073603" cy="159974"/>
+          </a:xfrm>
+          <a:prstGeom prst="rect">
+            <a:avLst/>
+          </a:prstGeom>
+          <a:noFill/>
+          <a:ln>
+            <a:noFill/>
+          </a:ln>
+        </p:spPr>
+      </p:pic>
+      <p:sp>
+        <p:nvSpPr>
+          <p:cNvPr id="86" name="Google Shape;86;p15"/>
+          <p:cNvSpPr txBox="1"/>
+          <p:nvPr/>
+        </p:nvSpPr>
+        <p:spPr>
+          <a:xfrm>
+            <a:off x="479775" y="2175400"/>
+            <a:ext cx="4523100" cy="1863300"/>
+          </a:xfrm>
+          <a:prstGeom prst="rect">
+            <a:avLst/>
+          </a:prstGeom>
+          <a:noFill/>
+          <a:ln>
+            <a:noFill/>
+          </a:ln>
+        </p:spPr>
+        <p:txBody>
+          <a:bodyPr spcFirstLastPara="1" wrap="square" lIns="91425" tIns="91425" rIns="91425" bIns="91425" anchor="t" anchorCtr="0">
+            <a:noAutofit/>
+          </a:bodyPr>
+          <a:lstStyle/>
+          <a:p>
+            <a:pPr marL="457200" lvl="0" indent="-355600" algn="l" rtl="0">
+              <a:spcBef>
+                <a:spcPts val="0"/>
+              </a:spcBef>
+              <a:spcAft>
+                <a:spcPts val="0"/>
+              </a:spcAft>
+              <a:buClr>
+                <a:srgbClr val="FFFFFF"/>
+              </a:buClr>
+              <a:buSzPts val="2000"/>
+              <a:buFont typeface="Gill Sans"/>
+              <a:buChar char="●"/>
+            </a:pPr>
+            <a:r>
+              <a:rPr lang="en-US" sz="2000" dirty="0">
+                <a:solidFill>
+                  <a:srgbClr val="FFFFFF"/>
+                </a:solidFill>
+                <a:latin typeface="Gill Sans"/>
+                <a:ea typeface="Gill Sans"/>
+                <a:cs typeface="Gill Sans"/>
+                <a:sym typeface="Gill Sans"/>
+              </a:rPr>
+              <a:t>Images</a:t>
+            </a:r>
+          </a:p>
+          <a:p>
+            <a:pPr marL="457200" lvl="0" indent="-355600" algn="l" rtl="0">
+              <a:spcBef>
+                <a:spcPts val="0"/>
+              </a:spcBef>
+              <a:spcAft>
+                <a:spcPts val="0"/>
+              </a:spcAft>
+              <a:buClr>
+                <a:srgbClr val="FFFFFF"/>
+              </a:buClr>
+              <a:buSzPts val="2000"/>
+              <a:buFont typeface="Gill Sans"/>
+              <a:buChar char="●"/>
+            </a:pPr>
+            <a:r>
+              <a:rPr lang="en-US" sz="2000" dirty="0">
+                <a:solidFill>
+                  <a:srgbClr val="FFFFFF"/>
+                </a:solidFill>
+                <a:latin typeface="Gill Sans"/>
+                <a:ea typeface="Gill Sans"/>
+                <a:cs typeface="Gill Sans"/>
+                <a:sym typeface="Gill Sans"/>
+              </a:rPr>
+              <a:t>Responsive Design</a:t>
+            </a:r>
+          </a:p>
+          <a:p>
+            <a:pPr marL="457200" lvl="0" indent="-355600" algn="l" rtl="0">
+              <a:spcBef>
+                <a:spcPts val="0"/>
+              </a:spcBef>
+              <a:spcAft>
+                <a:spcPts val="0"/>
+              </a:spcAft>
+              <a:buClr>
+                <a:srgbClr val="FFFFFF"/>
+              </a:buClr>
+              <a:buSzPts val="2000"/>
+              <a:buFont typeface="Gill Sans"/>
+              <a:buChar char="●"/>
+            </a:pPr>
+            <a:r>
+              <a:rPr lang="en-US" sz="2000" dirty="0">
+                <a:solidFill>
+                  <a:srgbClr val="FFFFFF"/>
+                </a:solidFill>
+                <a:latin typeface="Gill Sans"/>
+                <a:ea typeface="Gill Sans"/>
+                <a:cs typeface="Gill Sans"/>
+                <a:sym typeface="Gill Sans"/>
+              </a:rPr>
+              <a:t>Grid Layout</a:t>
             </a:r>
           </a:p>
         </p:txBody>
@@ -6833,7 +7326,7 @@
 </p:sld>
 </file>
 
-<file path=ppt/slides/slide4.xml><?xml version="1.0" encoding="utf-8"?>
+<file path=ppt/slides/slide5.xml><?xml version="1.0" encoding="utf-8"?>
 <p:sld xmlns:a="http://schemas.openxmlformats.org/drawingml/2006/main" xmlns:r="http://schemas.openxmlformats.org/officeDocument/2006/relationships" xmlns:p="http://schemas.openxmlformats.org/presentationml/2006/main">
   <p:cSld>
     <p:spTree>
